--- a/Presentations/Final_Presentation.pptx
+++ b/Presentations/Final_Presentation.pptx
@@ -5,7 +5,7 @@
     <p:sldMasterId id="2147483660" r:id="rId1"/>
   </p:sldMasterIdLst>
   <p:notesMasterIdLst>
-    <p:notesMasterId r:id="rId19"/>
+    <p:notesMasterId r:id="rId20"/>
   </p:notesMasterIdLst>
   <p:sldIdLst>
     <p:sldId id="256" r:id="rId2"/>
@@ -13,18 +13,19 @@
     <p:sldId id="257" r:id="rId4"/>
     <p:sldId id="258" r:id="rId5"/>
     <p:sldId id="260" r:id="rId6"/>
-    <p:sldId id="262" r:id="rId7"/>
-    <p:sldId id="259" r:id="rId8"/>
-    <p:sldId id="261" r:id="rId9"/>
-    <p:sldId id="268" r:id="rId10"/>
-    <p:sldId id="269" r:id="rId11"/>
-    <p:sldId id="270" r:id="rId12"/>
-    <p:sldId id="271" r:id="rId13"/>
-    <p:sldId id="266" r:id="rId14"/>
-    <p:sldId id="272" r:id="rId15"/>
-    <p:sldId id="273" r:id="rId16"/>
-    <p:sldId id="267" r:id="rId17"/>
-    <p:sldId id="264" r:id="rId18"/>
+    <p:sldId id="274" r:id="rId7"/>
+    <p:sldId id="262" r:id="rId8"/>
+    <p:sldId id="259" r:id="rId9"/>
+    <p:sldId id="261" r:id="rId10"/>
+    <p:sldId id="268" r:id="rId11"/>
+    <p:sldId id="269" r:id="rId12"/>
+    <p:sldId id="270" r:id="rId13"/>
+    <p:sldId id="271" r:id="rId14"/>
+    <p:sldId id="266" r:id="rId15"/>
+    <p:sldId id="272" r:id="rId16"/>
+    <p:sldId id="273" r:id="rId17"/>
+    <p:sldId id="267" r:id="rId18"/>
+    <p:sldId id="264" r:id="rId19"/>
   </p:sldIdLst>
   <p:sldSz cx="12192000" cy="6858000"/>
   <p:notesSz cx="6858000" cy="9144000"/>
@@ -213,7 +214,7 @@
           <a:p>
             <a:fld id="{67447FB2-128F-DC4E-A3E8-F3EE1B5B953B}" type="datetimeFigureOut">
               <a:rPr kumimoji="1" lang="zh-CN" altLang="en-US" smtClean="0"/>
-              <a:t>2017/4/17</a:t>
+              <a:t>2017/4/24</a:t>
             </a:fld>
             <a:endParaRPr kumimoji="1" lang="zh-CN" altLang="en-US"/>
           </a:p>
@@ -982,7 +983,7 @@
           <a:p>
             <a:fld id="{0F8DBEE1-E65D-9F45-A4FE-1F08DB9D0A91}" type="datetimeFigureOut">
               <a:rPr kumimoji="1" lang="zh-CN" altLang="en-US" smtClean="0"/>
-              <a:t>2017/4/17</a:t>
+              <a:t>2017/4/24</a:t>
             </a:fld>
             <a:endParaRPr kumimoji="1" lang="zh-CN" altLang="en-US"/>
           </a:p>
@@ -1157,7 +1158,7 @@
           <a:p>
             <a:fld id="{0F8DBEE1-E65D-9F45-A4FE-1F08DB9D0A91}" type="datetimeFigureOut">
               <a:rPr kumimoji="1" lang="zh-CN" altLang="en-US" smtClean="0"/>
-              <a:t>2017/4/17</a:t>
+              <a:t>2017/4/24</a:t>
             </a:fld>
             <a:endParaRPr kumimoji="1" lang="zh-CN" altLang="en-US"/>
           </a:p>
@@ -1333,7 +1334,7 @@
           <a:p>
             <a:fld id="{0F8DBEE1-E65D-9F45-A4FE-1F08DB9D0A91}" type="datetimeFigureOut">
               <a:rPr kumimoji="1" lang="zh-CN" altLang="en-US" smtClean="0"/>
-              <a:t>2017/4/17</a:t>
+              <a:t>2017/4/24</a:t>
             </a:fld>
             <a:endParaRPr kumimoji="1" lang="zh-CN" altLang="en-US"/>
           </a:p>
@@ -1499,7 +1500,7 @@
           <a:p>
             <a:fld id="{0F8DBEE1-E65D-9F45-A4FE-1F08DB9D0A91}" type="datetimeFigureOut">
               <a:rPr kumimoji="1" lang="zh-CN" altLang="en-US" smtClean="0"/>
-              <a:t>2017/4/17</a:t>
+              <a:t>2017/4/24</a:t>
             </a:fld>
             <a:endParaRPr kumimoji="1" lang="zh-CN" altLang="en-US"/>
           </a:p>
@@ -1816,7 +1817,7 @@
           <a:p>
             <a:fld id="{0F8DBEE1-E65D-9F45-A4FE-1F08DB9D0A91}" type="datetimeFigureOut">
               <a:rPr kumimoji="1" lang="zh-CN" altLang="en-US" smtClean="0"/>
-              <a:t>2017/4/17</a:t>
+              <a:t>2017/4/24</a:t>
             </a:fld>
             <a:endParaRPr kumimoji="1" lang="zh-CN" altLang="en-US"/>
           </a:p>
@@ -2272,7 +2273,7 @@
           <a:p>
             <a:fld id="{0F8DBEE1-E65D-9F45-A4FE-1F08DB9D0A91}" type="datetimeFigureOut">
               <a:rPr kumimoji="1" lang="zh-CN" altLang="en-US" smtClean="0"/>
-              <a:t>2017/4/17</a:t>
+              <a:t>2017/4/24</a:t>
             </a:fld>
             <a:endParaRPr kumimoji="1" lang="zh-CN" altLang="en-US"/>
           </a:p>
@@ -2679,7 +2680,7 @@
           <a:p>
             <a:fld id="{0F8DBEE1-E65D-9F45-A4FE-1F08DB9D0A91}" type="datetimeFigureOut">
               <a:rPr kumimoji="1" lang="zh-CN" altLang="en-US" smtClean="0"/>
-              <a:t>2017/4/17</a:t>
+              <a:t>2017/4/24</a:t>
             </a:fld>
             <a:endParaRPr kumimoji="1" lang="zh-CN" altLang="en-US"/>
           </a:p>
@@ -2793,7 +2794,7 @@
           <a:p>
             <a:fld id="{0F8DBEE1-E65D-9F45-A4FE-1F08DB9D0A91}" type="datetimeFigureOut">
               <a:rPr kumimoji="1" lang="zh-CN" altLang="en-US" smtClean="0"/>
-              <a:t>2017/4/17</a:t>
+              <a:t>2017/4/24</a:t>
             </a:fld>
             <a:endParaRPr kumimoji="1" lang="zh-CN" altLang="en-US"/>
           </a:p>
@@ -2907,7 +2908,7 @@
           <a:p>
             <a:fld id="{0F8DBEE1-E65D-9F45-A4FE-1F08DB9D0A91}" type="datetimeFigureOut">
               <a:rPr kumimoji="1" lang="zh-CN" altLang="en-US" smtClean="0"/>
-              <a:t>2017/4/17</a:t>
+              <a:t>2017/4/24</a:t>
             </a:fld>
             <a:endParaRPr kumimoji="1" lang="zh-CN" altLang="en-US"/>
           </a:p>
@@ -3261,7 +3262,7 @@
           <a:p>
             <a:fld id="{0F8DBEE1-E65D-9F45-A4FE-1F08DB9D0A91}" type="datetimeFigureOut">
               <a:rPr kumimoji="1" lang="zh-CN" altLang="en-US" smtClean="0"/>
-              <a:t>2017/4/17</a:t>
+              <a:t>2017/4/24</a:t>
             </a:fld>
             <a:endParaRPr kumimoji="1" lang="zh-CN" altLang="en-US"/>
           </a:p>
@@ -3764,7 +3765,7 @@
           <a:p>
             <a:fld id="{0F8DBEE1-E65D-9F45-A4FE-1F08DB9D0A91}" type="datetimeFigureOut">
               <a:rPr kumimoji="1" lang="zh-CN" altLang="en-US" smtClean="0"/>
-              <a:t>2017/4/17</a:t>
+              <a:t>2017/4/24</a:t>
             </a:fld>
             <a:endParaRPr kumimoji="1" lang="zh-CN" altLang="en-US"/>
           </a:p>
@@ -4115,7 +4116,7 @@
           <a:p>
             <a:fld id="{0F8DBEE1-E65D-9F45-A4FE-1F08DB9D0A91}" type="datetimeFigureOut">
               <a:rPr kumimoji="1" lang="zh-CN" altLang="en-US" smtClean="0"/>
-              <a:t>2017/4/17</a:t>
+              <a:t>2017/4/24</a:t>
             </a:fld>
             <a:endParaRPr kumimoji="1" lang="zh-CN" altLang="en-US"/>
           </a:p>
@@ -4856,11 +4857,7 @@
             </a:r>
             <a:r>
               <a:rPr kumimoji="1" lang="en-US" altLang="zh-CN" sz="2000" dirty="0" smtClean="0"/>
-              <a:t> </a:t>
-            </a:r>
-            <a:r>
-              <a:rPr kumimoji="1" lang="en-US" altLang="zh-CN" sz="2000" dirty="0" smtClean="0"/>
-              <a:t>Zheng</a:t>
+              <a:t> Zheng</a:t>
             </a:r>
           </a:p>
           <a:p>
@@ -4925,6 +4922,98 @@
 </file>
 
 <file path=ppt/slides/slide10.xml><?xml version="1.0" encoding="utf-8"?>
+<p:sld xmlns:a="http://schemas.openxmlformats.org/drawingml/2006/main" xmlns:r="http://schemas.openxmlformats.org/officeDocument/2006/relationships" xmlns:p="http://schemas.openxmlformats.org/presentationml/2006/main">
+  <p:cSld>
+    <p:spTree>
+      <p:nvGrpSpPr>
+        <p:cNvPr id="1" name=""/>
+        <p:cNvGrpSpPr/>
+        <p:nvPr/>
+      </p:nvGrpSpPr>
+      <p:grpSpPr>
+        <a:xfrm>
+          <a:off x="0" y="0"/>
+          <a:ext cx="0" cy="0"/>
+          <a:chOff x="0" y="0"/>
+          <a:chExt cx="0" cy="0"/>
+        </a:xfrm>
+      </p:grpSpPr>
+      <p:sp>
+        <p:nvSpPr>
+          <p:cNvPr id="2" name="标题 1"/>
+          <p:cNvSpPr>
+            <a:spLocks noGrp="1"/>
+          </p:cNvSpPr>
+          <p:nvPr>
+            <p:ph type="title"/>
+          </p:nvPr>
+        </p:nvSpPr>
+        <p:spPr/>
+        <p:txBody>
+          <a:bodyPr/>
+          <a:lstStyle/>
+          <a:p>
+            <a:r>
+              <a:rPr kumimoji="1" lang="en-US" altLang="zh-CN" dirty="0" smtClean="0"/>
+              <a:t>Data Analyze</a:t>
+            </a:r>
+            <a:br>
+              <a:rPr kumimoji="1" lang="en-US" altLang="zh-CN" dirty="0" smtClean="0"/>
+            </a:br>
+            <a:endParaRPr kumimoji="1" lang="zh-CN" altLang="en-US" dirty="0"/>
+          </a:p>
+        </p:txBody>
+      </p:sp>
+      <p:pic>
+        <p:nvPicPr>
+          <p:cNvPr id="4" name="内容占位符 3"/>
+          <p:cNvPicPr>
+            <a:picLocks noGrp="1" noChangeAspect="1"/>
+          </p:cNvPicPr>
+          <p:nvPr>
+            <p:ph idx="1"/>
+          </p:nvPr>
+        </p:nvPicPr>
+        <p:blipFill>
+          <a:blip r:embed="rId2">
+            <a:extLst>
+              <a:ext uri="{28A0092B-C50C-407E-A947-70E740481C1C}">
+                <a14:useLocalDpi xmlns:a14="http://schemas.microsoft.com/office/drawing/2010/main" val="0"/>
+              </a:ext>
+            </a:extLst>
+          </a:blip>
+          <a:stretch>
+            <a:fillRect/>
+          </a:stretch>
+        </p:blipFill>
+        <p:spPr>
+          <a:xfrm>
+            <a:off x="681925" y="1720313"/>
+            <a:ext cx="10446451" cy="4372246"/>
+          </a:xfrm>
+        </p:spPr>
+      </p:pic>
+    </p:spTree>
+    <p:extLst>
+      <p:ext uri="{BB962C8B-B14F-4D97-AF65-F5344CB8AC3E}">
+        <p14:creationId xmlns:p14="http://schemas.microsoft.com/office/powerpoint/2010/main" val="433562836"/>
+      </p:ext>
+    </p:extLst>
+  </p:cSld>
+  <p:clrMapOvr>
+    <a:masterClrMapping/>
+  </p:clrMapOvr>
+  <p:timing>
+    <p:tnLst>
+      <p:par>
+        <p:cTn id="1" dur="indefinite" restart="never" nodeType="tmRoot"/>
+      </p:par>
+    </p:tnLst>
+  </p:timing>
+</p:sld>
+</file>
+
+<file path=ppt/slides/slide11.xml><?xml version="1.0" encoding="utf-8"?>
 <p:sld xmlns:a="http://schemas.openxmlformats.org/drawingml/2006/main" xmlns:r="http://schemas.openxmlformats.org/officeDocument/2006/relationships" xmlns:p="http://schemas.openxmlformats.org/presentationml/2006/main">
   <p:cSld>
     <p:spTree>
@@ -5122,154 +5211,6 @@
     <p:extLst>
       <p:ext uri="{BB962C8B-B14F-4D97-AF65-F5344CB8AC3E}">
         <p14:creationId xmlns:p14="http://schemas.microsoft.com/office/powerpoint/2010/main" val="1323736135"/>
-      </p:ext>
-    </p:extLst>
-  </p:cSld>
-  <p:clrMapOvr>
-    <a:masterClrMapping/>
-  </p:clrMapOvr>
-  <p:timing>
-    <p:tnLst>
-      <p:par>
-        <p:cTn id="1" dur="indefinite" restart="never" nodeType="tmRoot"/>
-      </p:par>
-    </p:tnLst>
-  </p:timing>
-</p:sld>
-</file>
-
-<file path=ppt/slides/slide11.xml><?xml version="1.0" encoding="utf-8"?>
-<p:sld xmlns:a="http://schemas.openxmlformats.org/drawingml/2006/main" xmlns:r="http://schemas.openxmlformats.org/officeDocument/2006/relationships" xmlns:p="http://schemas.openxmlformats.org/presentationml/2006/main">
-  <p:cSld>
-    <p:spTree>
-      <p:nvGrpSpPr>
-        <p:cNvPr id="1" name=""/>
-        <p:cNvGrpSpPr/>
-        <p:nvPr/>
-      </p:nvGrpSpPr>
-      <p:grpSpPr>
-        <a:xfrm>
-          <a:off x="0" y="0"/>
-          <a:ext cx="0" cy="0"/>
-          <a:chOff x="0" y="0"/>
-          <a:chExt cx="0" cy="0"/>
-        </a:xfrm>
-      </p:grpSpPr>
-      <p:pic>
-        <p:nvPicPr>
-          <p:cNvPr id="7" name="内容占位符 3"/>
-          <p:cNvPicPr>
-            <a:picLocks noChangeAspect="1"/>
-          </p:cNvPicPr>
-          <p:nvPr/>
-        </p:nvPicPr>
-        <p:blipFill>
-          <a:blip r:embed="rId2">
-            <a:extLst>
-              <a:ext uri="{28A0092B-C50C-407E-A947-70E740481C1C}">
-                <a14:useLocalDpi xmlns:a14="http://schemas.microsoft.com/office/drawing/2010/main" val="0"/>
-              </a:ext>
-            </a:extLst>
-          </a:blip>
-          <a:stretch>
-            <a:fillRect/>
-          </a:stretch>
-        </p:blipFill>
-        <p:spPr>
-          <a:xfrm>
-            <a:off x="633999" y="1757919"/>
-            <a:ext cx="6912217" cy="3352423"/>
-          </a:xfrm>
-          <a:prstGeom prst="rect">
-            <a:avLst/>
-          </a:prstGeom>
-        </p:spPr>
-      </p:pic>
-      <p:sp>
-        <p:nvSpPr>
-          <p:cNvPr id="2" name="标题 1"/>
-          <p:cNvSpPr>
-            <a:spLocks noGrp="1"/>
-          </p:cNvSpPr>
-          <p:nvPr>
-            <p:ph type="title"/>
-          </p:nvPr>
-        </p:nvSpPr>
-        <p:spPr>
-          <a:xfrm>
-            <a:off x="7865806" y="484632"/>
-            <a:ext cx="3677264" cy="1609344"/>
-          </a:xfrm>
-        </p:spPr>
-        <p:txBody>
-          <a:bodyPr>
-            <a:normAutofit/>
-          </a:bodyPr>
-          <a:lstStyle/>
-          <a:p>
-            <a:r>
-              <a:rPr kumimoji="1" lang="en-US" altLang="zh-CN" sz="3600"/>
-              <a:t>Data parsing</a:t>
-            </a:r>
-            <a:endParaRPr kumimoji="1" lang="zh-CN" altLang="en-US" sz="3600"/>
-          </a:p>
-        </p:txBody>
-      </p:sp>
-      <p:sp>
-        <p:nvSpPr>
-          <p:cNvPr id="9" name="Content Placeholder 8"/>
-          <p:cNvSpPr>
-            <a:spLocks noGrp="1"/>
-          </p:cNvSpPr>
-          <p:nvPr>
-            <p:ph idx="1"/>
-          </p:nvPr>
-        </p:nvSpPr>
-        <p:spPr>
-          <a:xfrm>
-            <a:off x="7865805" y="1807942"/>
-            <a:ext cx="3677265" cy="2827110"/>
-          </a:xfrm>
-        </p:spPr>
-        <p:txBody>
-          <a:bodyPr>
-            <a:normAutofit/>
-          </a:bodyPr>
-          <a:lstStyle/>
-          <a:p>
-            <a:pPr marL="0" marR="0" lvl="0" indent="0" defTabSz="914400" eaLnBrk="1" fontAlgn="auto" latinLnBrk="0" hangingPunct="1">
-              <a:lnSpc>
-                <a:spcPct val="100000"/>
-              </a:lnSpc>
-              <a:spcBef>
-                <a:spcPts val="0"/>
-              </a:spcBef>
-              <a:spcAft>
-                <a:spcPts val="0"/>
-              </a:spcAft>
-              <a:buClrTx/>
-              <a:buSzTx/>
-              <a:buFontTx/>
-              <a:buNone/>
-              <a:tabLst/>
-              <a:defRPr/>
-            </a:pPr>
-            <a:r>
-              <a:rPr lang="en-US" dirty="0" smtClean="0"/>
-              <a:t>In order to make the date become a measurable </a:t>
-            </a:r>
-            <a:r>
-              <a:rPr lang="en-US" altLang="zh-CN" dirty="0" smtClean="0"/>
-              <a:t>value for our graph, we format the date to string first.</a:t>
-            </a:r>
-            <a:endParaRPr lang="en-US" dirty="0"/>
-          </a:p>
-        </p:txBody>
-      </p:sp>
-    </p:spTree>
-    <p:extLst>
-      <p:ext uri="{BB962C8B-B14F-4D97-AF65-F5344CB8AC3E}">
-        <p14:creationId xmlns:p14="http://schemas.microsoft.com/office/powerpoint/2010/main" val="4149802052"/>
       </p:ext>
     </p:extLst>
   </p:cSld>
@@ -5325,6 +5266,154 @@
         </p:blipFill>
         <p:spPr>
           <a:xfrm>
+            <a:off x="633999" y="1757919"/>
+            <a:ext cx="6912217" cy="3352423"/>
+          </a:xfrm>
+          <a:prstGeom prst="rect">
+            <a:avLst/>
+          </a:prstGeom>
+        </p:spPr>
+      </p:pic>
+      <p:sp>
+        <p:nvSpPr>
+          <p:cNvPr id="2" name="标题 1"/>
+          <p:cNvSpPr>
+            <a:spLocks noGrp="1"/>
+          </p:cNvSpPr>
+          <p:nvPr>
+            <p:ph type="title"/>
+          </p:nvPr>
+        </p:nvSpPr>
+        <p:spPr>
+          <a:xfrm>
+            <a:off x="7865806" y="484632"/>
+            <a:ext cx="3677264" cy="1609344"/>
+          </a:xfrm>
+        </p:spPr>
+        <p:txBody>
+          <a:bodyPr>
+            <a:normAutofit/>
+          </a:bodyPr>
+          <a:lstStyle/>
+          <a:p>
+            <a:r>
+              <a:rPr kumimoji="1" lang="en-US" altLang="zh-CN" sz="3600"/>
+              <a:t>Data parsing</a:t>
+            </a:r>
+            <a:endParaRPr kumimoji="1" lang="zh-CN" altLang="en-US" sz="3600"/>
+          </a:p>
+        </p:txBody>
+      </p:sp>
+      <p:sp>
+        <p:nvSpPr>
+          <p:cNvPr id="9" name="Content Placeholder 8"/>
+          <p:cNvSpPr>
+            <a:spLocks noGrp="1"/>
+          </p:cNvSpPr>
+          <p:nvPr>
+            <p:ph idx="1"/>
+          </p:nvPr>
+        </p:nvSpPr>
+        <p:spPr>
+          <a:xfrm>
+            <a:off x="7865805" y="1807942"/>
+            <a:ext cx="3677265" cy="2827110"/>
+          </a:xfrm>
+        </p:spPr>
+        <p:txBody>
+          <a:bodyPr>
+            <a:normAutofit/>
+          </a:bodyPr>
+          <a:lstStyle/>
+          <a:p>
+            <a:pPr marL="0" marR="0" lvl="0" indent="0" defTabSz="914400" eaLnBrk="1" fontAlgn="auto" latinLnBrk="0" hangingPunct="1">
+              <a:lnSpc>
+                <a:spcPct val="100000"/>
+              </a:lnSpc>
+              <a:spcBef>
+                <a:spcPts val="0"/>
+              </a:spcBef>
+              <a:spcAft>
+                <a:spcPts val="0"/>
+              </a:spcAft>
+              <a:buClrTx/>
+              <a:buSzTx/>
+              <a:buFontTx/>
+              <a:buNone/>
+              <a:tabLst/>
+              <a:defRPr/>
+            </a:pPr>
+            <a:r>
+              <a:rPr lang="en-US" dirty="0" smtClean="0"/>
+              <a:t>In order to make the date become a measurable </a:t>
+            </a:r>
+            <a:r>
+              <a:rPr lang="en-US" altLang="zh-CN" dirty="0" smtClean="0"/>
+              <a:t>value for our graph, we format the date to string first.</a:t>
+            </a:r>
+            <a:endParaRPr lang="en-US" dirty="0"/>
+          </a:p>
+        </p:txBody>
+      </p:sp>
+    </p:spTree>
+    <p:extLst>
+      <p:ext uri="{BB962C8B-B14F-4D97-AF65-F5344CB8AC3E}">
+        <p14:creationId xmlns:p14="http://schemas.microsoft.com/office/powerpoint/2010/main" val="4149802052"/>
+      </p:ext>
+    </p:extLst>
+  </p:cSld>
+  <p:clrMapOvr>
+    <a:masterClrMapping/>
+  </p:clrMapOvr>
+  <p:timing>
+    <p:tnLst>
+      <p:par>
+        <p:cTn id="1" dur="indefinite" restart="never" nodeType="tmRoot"/>
+      </p:par>
+    </p:tnLst>
+  </p:timing>
+</p:sld>
+</file>
+
+<file path=ppt/slides/slide13.xml><?xml version="1.0" encoding="utf-8"?>
+<p:sld xmlns:a="http://schemas.openxmlformats.org/drawingml/2006/main" xmlns:r="http://schemas.openxmlformats.org/officeDocument/2006/relationships" xmlns:p="http://schemas.openxmlformats.org/presentationml/2006/main">
+  <p:cSld>
+    <p:spTree>
+      <p:nvGrpSpPr>
+        <p:cNvPr id="1" name=""/>
+        <p:cNvGrpSpPr/>
+        <p:nvPr/>
+      </p:nvGrpSpPr>
+      <p:grpSpPr>
+        <a:xfrm>
+          <a:off x="0" y="0"/>
+          <a:ext cx="0" cy="0"/>
+          <a:chOff x="0" y="0"/>
+          <a:chExt cx="0" cy="0"/>
+        </a:xfrm>
+      </p:grpSpPr>
+      <p:pic>
+        <p:nvPicPr>
+          <p:cNvPr id="7" name="内容占位符 3"/>
+          <p:cNvPicPr>
+            <a:picLocks noChangeAspect="1"/>
+          </p:cNvPicPr>
+          <p:nvPr/>
+        </p:nvPicPr>
+        <p:blipFill>
+          <a:blip r:embed="rId2">
+            <a:extLst>
+              <a:ext uri="{28A0092B-C50C-407E-A947-70E740481C1C}">
+                <a14:useLocalDpi xmlns:a14="http://schemas.microsoft.com/office/drawing/2010/main" val="0"/>
+              </a:ext>
+            </a:extLst>
+          </a:blip>
+          <a:stretch>
+            <a:fillRect/>
+          </a:stretch>
+        </p:blipFill>
+        <p:spPr>
+          <a:xfrm>
             <a:off x="1069848" y="1837701"/>
             <a:ext cx="7959554" cy="815851"/>
           </a:xfrm>
@@ -5453,7 +5542,7 @@
 </p:sld>
 </file>
 
-<file path=ppt/slides/slide13.xml><?xml version="1.0" encoding="utf-8"?>
+<file path=ppt/slides/slide14.xml><?xml version="1.0" encoding="utf-8"?>
 <p:sld xmlns:a="http://schemas.openxmlformats.org/drawingml/2006/main" xmlns:r="http://schemas.openxmlformats.org/officeDocument/2006/relationships" xmlns:p="http://schemas.openxmlformats.org/presentationml/2006/main">
   <p:cSld>
     <p:spTree>
@@ -5634,7 +5723,7 @@
 </p:sld>
 </file>
 
-<file path=ppt/slides/slide14.xml><?xml version="1.0" encoding="utf-8"?>
+<file path=ppt/slides/slide15.xml><?xml version="1.0" encoding="utf-8"?>
 <p:sld xmlns:a="http://schemas.openxmlformats.org/drawingml/2006/main" xmlns:r="http://schemas.openxmlformats.org/officeDocument/2006/relationships" xmlns:p="http://schemas.openxmlformats.org/presentationml/2006/main">
   <p:cSld>
     <p:spTree>
@@ -5921,7 +6010,7 @@
 </p:sld>
 </file>
 
-<file path=ppt/slides/slide15.xml><?xml version="1.0" encoding="utf-8"?>
+<file path=ppt/slides/slide16.xml><?xml version="1.0" encoding="utf-8"?>
 <p:sld xmlns:a="http://schemas.openxmlformats.org/drawingml/2006/main" xmlns:r="http://schemas.openxmlformats.org/officeDocument/2006/relationships" xmlns:p="http://schemas.openxmlformats.org/presentationml/2006/main">
   <p:cSld>
     <p:spTree>
@@ -6113,7 +6202,7 @@
 </p:sld>
 </file>
 
-<file path=ppt/slides/slide16.xml><?xml version="1.0" encoding="utf-8"?>
+<file path=ppt/slides/slide17.xml><?xml version="1.0" encoding="utf-8"?>
 <p:sld xmlns:a="http://schemas.openxmlformats.org/drawingml/2006/main" xmlns:r="http://schemas.openxmlformats.org/officeDocument/2006/relationships" xmlns:p="http://schemas.openxmlformats.org/presentationml/2006/main">
   <p:cSld>
     <p:spTree>
@@ -6471,7 +6560,7 @@
 </p:sld>
 </file>
 
-<file path=ppt/slides/slide17.xml><?xml version="1.0" encoding="utf-8"?>
+<file path=ppt/slides/slide18.xml><?xml version="1.0" encoding="utf-8"?>
 <p:sld xmlns:a="http://schemas.openxmlformats.org/drawingml/2006/main" xmlns:r="http://schemas.openxmlformats.org/officeDocument/2006/relationships" xmlns:p="http://schemas.openxmlformats.org/presentationml/2006/main">
   <p:cSld>
     <p:spTree>
@@ -7159,9 +7248,19 @@
           <a:p>
             <a:r>
               <a:rPr kumimoji="1" lang="en-US" altLang="zh-CN" sz="2400" dirty="0" smtClean="0"/>
-              <a:t>Up to 706.1 MB data from 2011 - 2016</a:t>
-            </a:r>
-            <a:endParaRPr kumimoji="1" lang="zh-CN" altLang="en-US" sz="2400" dirty="0"/>
+              <a:t>Up to 706.1 MB data from 2011 </a:t>
+            </a:r>
+            <a:r>
+              <a:rPr kumimoji="1" lang="mr-IN" altLang="zh-CN" sz="2400" dirty="0" smtClean="0"/>
+              <a:t>–</a:t>
+            </a:r>
+            <a:r>
+              <a:rPr kumimoji="1" lang="en-US" altLang="zh-CN" sz="2400" dirty="0" smtClean="0"/>
+              <a:t> 2016</a:t>
+            </a:r>
+          </a:p>
+          <a:p>
+            <a:endParaRPr kumimoji="1" lang="en-US" altLang="zh-CN" sz="2400" dirty="0"/>
           </a:p>
         </p:txBody>
       </p:sp>
@@ -7188,33 +7287,6 @@
 <file path=ppt/slides/slide6.xml><?xml version="1.0" encoding="utf-8"?>
 <p:sld xmlns:a="http://schemas.openxmlformats.org/drawingml/2006/main" xmlns:r="http://schemas.openxmlformats.org/officeDocument/2006/relationships" xmlns:p="http://schemas.openxmlformats.org/presentationml/2006/main">
   <p:cSld>
-    <p:bg>
-      <p:bgPr>
-        <a:blipFill dpi="0" rotWithShape="1">
-          <a:blip r:embed="rId2">
-            <a:alphaModFix amt="0"/>
-            <a:lum/>
-            <a:extLst>
-              <a:ext uri="{BEBA8EAE-BF5A-486C-A8C5-ECC9F3942E4B}">
-                <a14:imgProps xmlns:a14="http://schemas.microsoft.com/office/drawing/2010/main">
-                  <a14:imgLayer r:embed="rId3">
-                    <a14:imgEffect>
-                      <a14:artisticMarker size="100"/>
-                    </a14:imgEffect>
-                    <a14:imgEffect>
-                      <a14:sharpenSoften amount="90000"/>
-                    </a14:imgEffect>
-                  </a14:imgLayer>
-                </a14:imgProps>
-              </a:ext>
-            </a:extLst>
-          </a:blip>
-          <a:srcRect/>
-          <a:tile tx="0" ty="0" sx="100000" sy="100000" flip="none" algn="tl"/>
-        </a:blipFill>
-        <a:effectLst/>
-      </p:bgPr>
-    </p:bg>
     <p:spTree>
       <p:nvGrpSpPr>
         <p:cNvPr id="1" name=""/>
@@ -7247,8 +7319,12 @@
           <a:lstStyle/>
           <a:p>
             <a:r>
+              <a:rPr lang="en-US" altLang="zh-CN" b="1" dirty="0"/>
+              <a:t>Data </a:t>
+            </a:r>
+            <a:r>
               <a:rPr lang="en-US" altLang="zh-CN" b="1" dirty="0" smtClean="0"/>
-              <a:t>Techniques</a:t>
+              <a:t>USED</a:t>
             </a:r>
             <a:r>
               <a:rPr lang="en-US" altLang="zh-CN" b="1" dirty="0"/>
@@ -7273,61 +7349,83 @@
         </p:nvSpPr>
         <p:spPr/>
         <p:txBody>
-          <a:bodyPr/>
+          <a:bodyPr>
+            <a:normAutofit/>
+          </a:bodyPr>
           <a:lstStyle/>
           <a:p>
             <a:r>
               <a:rPr kumimoji="1" lang="en-US" altLang="zh-CN" sz="2400" dirty="0" smtClean="0"/>
-              <a:t>Functional Programming Language Scala ( ingest, form dataset, GUI )</a:t>
-            </a:r>
-          </a:p>
-          <a:p>
-            <a:r>
-              <a:rPr kumimoji="1" lang="en-US" altLang="zh-CN" sz="2400" dirty="0" smtClean="0"/>
-              <a:t>Spark ( parsing )</a:t>
-            </a:r>
-          </a:p>
-          <a:p>
-            <a:r>
-              <a:rPr kumimoji="1" lang="en-US" altLang="zh-CN" sz="2400" dirty="0" smtClean="0"/>
-              <a:t>Machine learning ( </a:t>
-            </a:r>
-            <a:r>
-              <a:rPr kumimoji="1" lang="en-US" altLang="zh-CN" sz="2400" dirty="0" err="1" smtClean="0"/>
-              <a:t>MLlib</a:t>
-            </a:r>
-            <a:r>
-              <a:rPr kumimoji="1" lang="en-US" altLang="zh-CN" sz="2400" dirty="0" smtClean="0"/>
-              <a:t> )</a:t>
-            </a:r>
-          </a:p>
-          <a:p>
+              <a:t>We parsed approximately 2,100,000 records of data to generate the presentation graph on </a:t>
+            </a:r>
             <a:r>
               <a:rPr kumimoji="1" lang="en-US" altLang="zh-CN" sz="2400" dirty="0" err="1" smtClean="0"/>
               <a:t>Ploty</a:t>
             </a:r>
             <a:r>
               <a:rPr kumimoji="1" lang="en-US" altLang="zh-CN" sz="2400" dirty="0" smtClean="0"/>
-              <a:t> </a:t>
+              <a:t>, which we will present.</a:t>
+            </a:r>
+          </a:p>
+          <a:p>
+            <a:endParaRPr kumimoji="1" lang="en-US" altLang="zh-CN" sz="2400" dirty="0"/>
+          </a:p>
+          <a:p>
+            <a:r>
+              <a:rPr kumimoji="1" lang="en-US" altLang="zh-CN" sz="2400" dirty="0" smtClean="0"/>
+              <a:t>The whole data is under our </a:t>
+            </a:r>
+            <a:r>
+              <a:rPr kumimoji="1" lang="en-US" altLang="zh-CN" sz="2400" dirty="0" err="1" smtClean="0"/>
+              <a:t>Teambition</a:t>
+            </a:r>
+            <a:r>
+              <a:rPr kumimoji="1" lang="en-US" altLang="zh-CN" sz="2400" dirty="0" smtClean="0"/>
+              <a:t> file repository, we made a shared folders on </a:t>
             </a:r>
             <a:r>
               <a:rPr kumimoji="1" lang="en-US" altLang="zh-CN" sz="2400" dirty="0"/>
-              <a:t>(</a:t>
-            </a:r>
+              <a:t>Google Drive: </a:t>
+            </a:r>
+            <a:r>
+              <a:rPr kumimoji="1" lang="en-US" altLang="zh-CN" sz="2400" dirty="0">
+                <a:hlinkClick r:id="rId2"/>
+              </a:rPr>
+              <a:t>https://drive.google.com/</a:t>
+            </a:r>
+            <a:r>
+              <a:rPr kumimoji="1" lang="en-US" altLang="zh-CN" sz="2400" dirty="0" err="1">
+                <a:hlinkClick r:id="rId2"/>
+              </a:rPr>
+              <a:t>open?id</a:t>
+            </a:r>
+            <a:r>
+              <a:rPr kumimoji="1" lang="en-US" altLang="zh-CN" sz="2400" dirty="0">
+                <a:hlinkClick r:id="rId2"/>
+              </a:rPr>
+              <a:t>=0B6I0NdrY55kOeGdNRGwyZWhUM3M</a:t>
+            </a:r>
+            <a:endParaRPr kumimoji="1" lang="en-US" altLang="zh-CN" sz="2400" dirty="0" smtClean="0"/>
+          </a:p>
+          <a:p>
+            <a:endParaRPr kumimoji="1" lang="en-US" altLang="zh-CN" sz="2400" dirty="0" smtClean="0"/>
+          </a:p>
+          <a:p>
             <a:r>
               <a:rPr kumimoji="1" lang="en-US" altLang="zh-CN" sz="2400" dirty="0" smtClean="0"/>
-              <a:t>Graphing in Scala )</a:t>
-            </a:r>
-          </a:p>
-          <a:p>
-            <a:endParaRPr kumimoji="1" lang="zh-CN" altLang="en-US" dirty="0"/>
+              <a:t>The Test20xx.csv files under GitHub repository are examples for users to prepare their source data</a:t>
+            </a:r>
+            <a:endParaRPr kumimoji="1" lang="en-US" altLang="zh-CN" sz="2400" dirty="0"/>
+          </a:p>
+          <a:p>
+            <a:endParaRPr kumimoji="1" lang="en-US" altLang="zh-CN" sz="2400" dirty="0" smtClean="0"/>
           </a:p>
         </p:txBody>
       </p:sp>
     </p:spTree>
     <p:extLst>
       <p:ext uri="{BB962C8B-B14F-4D97-AF65-F5344CB8AC3E}">
-        <p14:creationId xmlns:p14="http://schemas.microsoft.com/office/powerpoint/2010/main" val="699670520"/>
+        <p14:creationId xmlns:p14="http://schemas.microsoft.com/office/powerpoint/2010/main" val="78490718"/>
       </p:ext>
     </p:extLst>
   </p:cSld>
@@ -7400,6 +7498,165 @@
         </p:nvSpPr>
         <p:spPr/>
         <p:txBody>
+          <a:bodyPr>
+            <a:normAutofit/>
+          </a:bodyPr>
+          <a:lstStyle/>
+          <a:p>
+            <a:r>
+              <a:rPr lang="en-US" altLang="zh-CN" b="1" dirty="0" smtClean="0"/>
+              <a:t>Techniques</a:t>
+            </a:r>
+            <a:r>
+              <a:rPr lang="en-US" altLang="zh-CN" b="1" dirty="0"/>
+              <a:t/>
+            </a:r>
+            <a:br>
+              <a:rPr lang="en-US" altLang="zh-CN" b="1" dirty="0"/>
+            </a:br>
+            <a:endParaRPr kumimoji="1" lang="zh-CN" altLang="en-US" b="1" dirty="0"/>
+          </a:p>
+        </p:txBody>
+      </p:sp>
+      <p:sp>
+        <p:nvSpPr>
+          <p:cNvPr id="3" name="内容占位符 2"/>
+          <p:cNvSpPr>
+            <a:spLocks noGrp="1"/>
+          </p:cNvSpPr>
+          <p:nvPr>
+            <p:ph idx="1"/>
+          </p:nvPr>
+        </p:nvSpPr>
+        <p:spPr/>
+        <p:txBody>
+          <a:bodyPr/>
+          <a:lstStyle/>
+          <a:p>
+            <a:r>
+              <a:rPr kumimoji="1" lang="en-US" altLang="zh-CN" sz="2400" dirty="0" smtClean="0"/>
+              <a:t>Functional Programming Language Scala ( ingest, form dataset, GUI )</a:t>
+            </a:r>
+          </a:p>
+          <a:p>
+            <a:r>
+              <a:rPr kumimoji="1" lang="en-US" altLang="zh-CN" sz="2400" dirty="0" smtClean="0"/>
+              <a:t>Spark ( parsing )</a:t>
+            </a:r>
+          </a:p>
+          <a:p>
+            <a:r>
+              <a:rPr kumimoji="1" lang="en-US" altLang="zh-CN" sz="2400" dirty="0" smtClean="0"/>
+              <a:t>Machine learning ( </a:t>
+            </a:r>
+            <a:r>
+              <a:rPr kumimoji="1" lang="en-US" altLang="zh-CN" sz="2400" dirty="0" err="1" smtClean="0"/>
+              <a:t>MLlib</a:t>
+            </a:r>
+            <a:r>
+              <a:rPr kumimoji="1" lang="en-US" altLang="zh-CN" sz="2400" dirty="0" smtClean="0"/>
+              <a:t> )</a:t>
+            </a:r>
+          </a:p>
+          <a:p>
+            <a:r>
+              <a:rPr kumimoji="1" lang="en-US" altLang="zh-CN" sz="2400" dirty="0" err="1" smtClean="0"/>
+              <a:t>Ploty</a:t>
+            </a:r>
+            <a:r>
+              <a:rPr kumimoji="1" lang="en-US" altLang="zh-CN" sz="2400" dirty="0" smtClean="0"/>
+              <a:t> </a:t>
+            </a:r>
+            <a:r>
+              <a:rPr kumimoji="1" lang="en-US" altLang="zh-CN" sz="2400" dirty="0"/>
+              <a:t>(</a:t>
+            </a:r>
+            <a:r>
+              <a:rPr kumimoji="1" lang="en-US" altLang="zh-CN" sz="2400" dirty="0" smtClean="0"/>
+              <a:t>Graphing in Scala )</a:t>
+            </a:r>
+          </a:p>
+          <a:p>
+            <a:endParaRPr kumimoji="1" lang="zh-CN" altLang="en-US" dirty="0"/>
+          </a:p>
+        </p:txBody>
+      </p:sp>
+    </p:spTree>
+    <p:extLst>
+      <p:ext uri="{BB962C8B-B14F-4D97-AF65-F5344CB8AC3E}">
+        <p14:creationId xmlns:p14="http://schemas.microsoft.com/office/powerpoint/2010/main" val="699670520"/>
+      </p:ext>
+    </p:extLst>
+  </p:cSld>
+  <p:clrMapOvr>
+    <a:masterClrMapping/>
+  </p:clrMapOvr>
+  <p:timing>
+    <p:tnLst>
+      <p:par>
+        <p:cTn id="1" dur="indefinite" restart="never" nodeType="tmRoot"/>
+      </p:par>
+    </p:tnLst>
+  </p:timing>
+</p:sld>
+</file>
+
+<file path=ppt/slides/slide8.xml><?xml version="1.0" encoding="utf-8"?>
+<p:sld xmlns:a="http://schemas.openxmlformats.org/drawingml/2006/main" xmlns:r="http://schemas.openxmlformats.org/officeDocument/2006/relationships" xmlns:p="http://schemas.openxmlformats.org/presentationml/2006/main">
+  <p:cSld>
+    <p:bg>
+      <p:bgPr>
+        <a:blipFill dpi="0" rotWithShape="1">
+          <a:blip r:embed="rId2">
+            <a:alphaModFix amt="0"/>
+            <a:lum/>
+            <a:extLst>
+              <a:ext uri="{BEBA8EAE-BF5A-486C-A8C5-ECC9F3942E4B}">
+                <a14:imgProps xmlns:a14="http://schemas.microsoft.com/office/drawing/2010/main">
+                  <a14:imgLayer r:embed="rId3">
+                    <a14:imgEffect>
+                      <a14:artisticMarker size="100"/>
+                    </a14:imgEffect>
+                    <a14:imgEffect>
+                      <a14:sharpenSoften amount="90000"/>
+                    </a14:imgEffect>
+                  </a14:imgLayer>
+                </a14:imgProps>
+              </a:ext>
+            </a:extLst>
+          </a:blip>
+          <a:srcRect/>
+          <a:tile tx="0" ty="0" sx="100000" sy="100000" flip="none" algn="tl"/>
+        </a:blipFill>
+        <a:effectLst/>
+      </p:bgPr>
+    </p:bg>
+    <p:spTree>
+      <p:nvGrpSpPr>
+        <p:cNvPr id="1" name=""/>
+        <p:cNvGrpSpPr/>
+        <p:nvPr/>
+      </p:nvGrpSpPr>
+      <p:grpSpPr>
+        <a:xfrm>
+          <a:off x="0" y="0"/>
+          <a:ext cx="0" cy="0"/>
+          <a:chOff x="0" y="0"/>
+          <a:chExt cx="0" cy="0"/>
+        </a:xfrm>
+      </p:grpSpPr>
+      <p:sp>
+        <p:nvSpPr>
+          <p:cNvPr id="2" name="标题 1"/>
+          <p:cNvSpPr>
+            <a:spLocks noGrp="1"/>
+          </p:cNvSpPr>
+          <p:nvPr>
+            <p:ph type="title"/>
+          </p:nvPr>
+        </p:nvSpPr>
+        <p:spPr/>
+        <p:txBody>
           <a:bodyPr/>
           <a:lstStyle/>
           <a:p>
@@ -7540,7 +7797,7 @@
 </p:sld>
 </file>
 
-<file path=ppt/slides/slide8.xml><?xml version="1.0" encoding="utf-8"?>
+<file path=ppt/slides/slide9.xml><?xml version="1.0" encoding="utf-8"?>
 <p:sld xmlns:a="http://schemas.openxmlformats.org/drawingml/2006/main" xmlns:r="http://schemas.openxmlformats.org/officeDocument/2006/relationships" xmlns:p="http://schemas.openxmlformats.org/presentationml/2006/main">
   <p:cSld>
     <p:bg>
@@ -7807,98 +8064,6 @@
     <p:extLst>
       <p:ext uri="{BB962C8B-B14F-4D97-AF65-F5344CB8AC3E}">
         <p14:creationId xmlns:p14="http://schemas.microsoft.com/office/powerpoint/2010/main" val="1292083912"/>
-      </p:ext>
-    </p:extLst>
-  </p:cSld>
-  <p:clrMapOvr>
-    <a:masterClrMapping/>
-  </p:clrMapOvr>
-  <p:timing>
-    <p:tnLst>
-      <p:par>
-        <p:cTn id="1" dur="indefinite" restart="never" nodeType="tmRoot"/>
-      </p:par>
-    </p:tnLst>
-  </p:timing>
-</p:sld>
-</file>
-
-<file path=ppt/slides/slide9.xml><?xml version="1.0" encoding="utf-8"?>
-<p:sld xmlns:a="http://schemas.openxmlformats.org/drawingml/2006/main" xmlns:r="http://schemas.openxmlformats.org/officeDocument/2006/relationships" xmlns:p="http://schemas.openxmlformats.org/presentationml/2006/main">
-  <p:cSld>
-    <p:spTree>
-      <p:nvGrpSpPr>
-        <p:cNvPr id="1" name=""/>
-        <p:cNvGrpSpPr/>
-        <p:nvPr/>
-      </p:nvGrpSpPr>
-      <p:grpSpPr>
-        <a:xfrm>
-          <a:off x="0" y="0"/>
-          <a:ext cx="0" cy="0"/>
-          <a:chOff x="0" y="0"/>
-          <a:chExt cx="0" cy="0"/>
-        </a:xfrm>
-      </p:grpSpPr>
-      <p:sp>
-        <p:nvSpPr>
-          <p:cNvPr id="2" name="标题 1"/>
-          <p:cNvSpPr>
-            <a:spLocks noGrp="1"/>
-          </p:cNvSpPr>
-          <p:nvPr>
-            <p:ph type="title"/>
-          </p:nvPr>
-        </p:nvSpPr>
-        <p:spPr/>
-        <p:txBody>
-          <a:bodyPr/>
-          <a:lstStyle/>
-          <a:p>
-            <a:r>
-              <a:rPr kumimoji="1" lang="en-US" altLang="zh-CN" dirty="0" smtClean="0"/>
-              <a:t>Data Analyze</a:t>
-            </a:r>
-            <a:br>
-              <a:rPr kumimoji="1" lang="en-US" altLang="zh-CN" dirty="0" smtClean="0"/>
-            </a:br>
-            <a:endParaRPr kumimoji="1" lang="zh-CN" altLang="en-US" dirty="0"/>
-          </a:p>
-        </p:txBody>
-      </p:sp>
-      <p:pic>
-        <p:nvPicPr>
-          <p:cNvPr id="4" name="内容占位符 3"/>
-          <p:cNvPicPr>
-            <a:picLocks noGrp="1" noChangeAspect="1"/>
-          </p:cNvPicPr>
-          <p:nvPr>
-            <p:ph idx="1"/>
-          </p:nvPr>
-        </p:nvPicPr>
-        <p:blipFill>
-          <a:blip r:embed="rId2">
-            <a:extLst>
-              <a:ext uri="{28A0092B-C50C-407E-A947-70E740481C1C}">
-                <a14:useLocalDpi xmlns:a14="http://schemas.microsoft.com/office/drawing/2010/main" val="0"/>
-              </a:ext>
-            </a:extLst>
-          </a:blip>
-          <a:stretch>
-            <a:fillRect/>
-          </a:stretch>
-        </p:blipFill>
-        <p:spPr>
-          <a:xfrm>
-            <a:off x="681925" y="1720313"/>
-            <a:ext cx="10446451" cy="4372246"/>
-          </a:xfrm>
-        </p:spPr>
-      </p:pic>
-    </p:spTree>
-    <p:extLst>
-      <p:ext uri="{BB962C8B-B14F-4D97-AF65-F5344CB8AC3E}">
-        <p14:creationId xmlns:p14="http://schemas.microsoft.com/office/powerpoint/2010/main" val="433562836"/>
       </p:ext>
     </p:extLst>
   </p:cSld>
